--- a/microsoft-tenne-project-presentation.pptx
+++ b/microsoft-tenne-project-presentation.pptx
@@ -11,8 +11,8 @@
     <p:sldId id="259" r:id="rId5"/>
     <p:sldId id="260" r:id="rId6"/>
     <p:sldId id="261" r:id="rId7"/>
-    <p:sldId id="263" r:id="rId8"/>
-    <p:sldId id="264" r:id="rId9"/>
+    <p:sldId id="264" r:id="rId8"/>
+    <p:sldId id="265" r:id="rId9"/>
     <p:sldId id="262" r:id="rId10"/>
   </p:sldIdLst>
   <p:sldSz cx="12192000" cy="6858000"/>
@@ -3487,7 +3487,7 @@
             <a:pPr lvl="1"/>
             <a:r>
               <a:rPr lang="en-US" dirty="0"/>
-              <a:t>For successful gross earnings, </a:t>
+              <a:t>For successful, sustained gross earnings over time, </a:t>
             </a:r>
             <a:r>
               <a:rPr lang="en-US" dirty="0" err="1"/>
@@ -3495,14 +3495,14 @@
             </a:r>
             <a:r>
               <a:rPr lang="en-US" dirty="0"/>
-              <a:t> should produce Sci-Fi, Adventure, and Action movies</a:t>
+              <a:t> should produce Adventure and Action</a:t>
             </a:r>
           </a:p>
           <a:p>
             <a:pPr lvl="1"/>
             <a:r>
               <a:rPr lang="en-US" dirty="0"/>
-              <a:t>For successful audience ratings, </a:t>
+              <a:t>For immediately successful gross earnings, </a:t>
             </a:r>
             <a:r>
               <a:rPr lang="en-US" dirty="0" err="1"/>
@@ -3510,14 +3510,14 @@
             </a:r>
             <a:r>
               <a:rPr lang="en-US" dirty="0"/>
-              <a:t> should produce Musical, Sci-Fi, and Animation movies. </a:t>
+              <a:t> should produce Sci-Fi, Animation, Adventure, Fantasy, or Action movies</a:t>
             </a:r>
           </a:p>
           <a:p>
             <a:pPr lvl="1"/>
             <a:r>
               <a:rPr lang="en-US" dirty="0"/>
-              <a:t>Create Sci-Fi movies</a:t>
+              <a:t>Create Sci-Fi movies.</a:t>
             </a:r>
           </a:p>
         </p:txBody>
@@ -4621,28 +4621,28 @@
             <a:pPr lvl="1"/>
             <a:r>
               <a:rPr lang="en-US" dirty="0"/>
-              <a:t>Drama (250)</a:t>
+              <a:t>Drama (94)</a:t>
             </a:r>
           </a:p>
           <a:p>
             <a:pPr lvl="1"/>
             <a:r>
               <a:rPr lang="en-US" dirty="0"/>
-              <a:t>Comedy (102)</a:t>
+              <a:t>Adventure (56)</a:t>
             </a:r>
           </a:p>
           <a:p>
             <a:pPr lvl="1"/>
             <a:r>
               <a:rPr lang="en-US" dirty="0"/>
-              <a:t>Adventure (90)</a:t>
-            </a:r>
-          </a:p>
-        </p:txBody>
-      </p:sp>
-      <p:sp>
-        <p:nvSpPr>
-          <p:cNvPr id="10" name="Rectangle 9">
+              <a:t>Action (49)</a:t>
+            </a:r>
+          </a:p>
+        </p:txBody>
+      </p:sp>
+      <p:sp>
+        <p:nvSpPr>
+          <p:cNvPr id="17" name="Rectangle 16">
             <a:extLst>
               <a:ext uri="{FF2B5EF4-FFF2-40B4-BE49-F238E27FC236}">
                 <a16:creationId xmlns:a16="http://schemas.microsoft.com/office/drawing/2014/main" id="{6515FC82-3453-4CBE-8895-4CCFF339529E}"/>
@@ -4706,7 +4706,7 @@
       </p:sp>
       <p:sp>
         <p:nvSpPr>
-          <p:cNvPr id="12" name="Rectangle 11">
+          <p:cNvPr id="19" name="Rectangle 18">
             <a:extLst>
               <a:ext uri="{FF2B5EF4-FFF2-40B4-BE49-F238E27FC236}">
                 <a16:creationId xmlns:a16="http://schemas.microsoft.com/office/drawing/2014/main" id="{C5FD847B-65C0-4027-8DFC-70CB424514F8}"/>
@@ -4769,10 +4769,10 @@
       </p:sp>
       <p:pic>
         <p:nvPicPr>
-          <p:cNvPr id="5" name="Picture 4" descr="Chart&#10;&#10;Description automatically generated">
+          <p:cNvPr id="7" name="Picture 6" descr="Chart&#10;&#10;Description automatically generated">
             <a:extLst>
               <a:ext uri="{FF2B5EF4-FFF2-40B4-BE49-F238E27FC236}">
-                <a16:creationId xmlns:a16="http://schemas.microsoft.com/office/drawing/2014/main" id="{84447197-6111-9748-9A9B-346A2020A60D}"/>
+                <a16:creationId xmlns:a16="http://schemas.microsoft.com/office/drawing/2014/main" id="{F265E546-0E6B-264F-BE90-2887A3921EC3}"/>
               </a:ext>
             </a:extLst>
           </p:cNvPr>
@@ -4789,8 +4789,8 @@
         </p:blipFill>
         <p:spPr>
           <a:xfrm>
-            <a:off x="4823366" y="1595987"/>
-            <a:ext cx="6227064" cy="3673967"/>
+            <a:off x="4823366" y="1572636"/>
+            <a:ext cx="6227064" cy="3720670"/>
           </a:xfrm>
           <a:prstGeom prst="rect">
             <a:avLst/>
@@ -4842,7 +4842,7 @@
           <p:cNvPr id="2" name="Title 1">
             <a:extLst>
               <a:ext uri="{FF2B5EF4-FFF2-40B4-BE49-F238E27FC236}">
-                <a16:creationId xmlns:a16="http://schemas.microsoft.com/office/drawing/2014/main" id="{4754E535-DD97-6A4A-86B6-93D24C5A8706}"/>
+                <a16:creationId xmlns:a16="http://schemas.microsoft.com/office/drawing/2014/main" id="{5CA7A688-57FD-2B41-9C37-79E3198846DA}"/>
               </a:ext>
             </a:extLst>
           </p:cNvPr>
@@ -4855,12 +4855,12 @@
         </p:nvSpPr>
         <p:spPr>
           <a:xfrm>
-            <a:off x="804672" y="964692"/>
-            <a:ext cx="4476806" cy="1188720"/>
-          </a:xfrm>
-        </p:spPr>
-        <p:txBody>
-          <a:bodyPr vert="horz" lIns="182880" tIns="182880" rIns="182880" bIns="182880" rtlCol="0" anchor="ctr">
+            <a:off x="8312677" y="964692"/>
+            <a:ext cx="3066937" cy="1188720"/>
+          </a:xfrm>
+        </p:spPr>
+        <p:txBody>
+          <a:bodyPr>
             <a:normAutofit/>
           </a:bodyPr>
           <a:lstStyle/>
@@ -4874,66 +4874,10 @@
       </p:sp>
       <p:sp>
         <p:nvSpPr>
-          <p:cNvPr id="3" name="Content Placeholder 2">
+          <p:cNvPr id="17" name="Rectangle 16">
             <a:extLst>
               <a:ext uri="{FF2B5EF4-FFF2-40B4-BE49-F238E27FC236}">
-                <a16:creationId xmlns:a16="http://schemas.microsoft.com/office/drawing/2014/main" id="{C36B8548-EA8A-134A-900B-A146C5F5901F}"/>
-              </a:ext>
-            </a:extLst>
-          </p:cNvPr>
-          <p:cNvSpPr>
-            <a:spLocks noGrp="1"/>
-          </p:cNvSpPr>
-          <p:nvPr>
-            <p:ph sz="half" idx="1"/>
-          </p:nvPr>
-        </p:nvSpPr>
-        <p:spPr>
-          <a:xfrm>
-            <a:off x="803244" y="2638044"/>
-            <a:ext cx="4492932" cy="3263206"/>
-          </a:xfrm>
-        </p:spPr>
-        <p:txBody>
-          <a:bodyPr vert="horz" lIns="91440" tIns="45720" rIns="91440" bIns="45720" rtlCol="0">
-            <a:normAutofit/>
-          </a:bodyPr>
-          <a:lstStyle/>
-          <a:p>
-            <a:r>
-              <a:rPr lang="en-US" dirty="0"/>
-              <a:t>The top three genres by average rating:</a:t>
-            </a:r>
-          </a:p>
-          <a:p>
-            <a:pPr lvl="1"/>
-            <a:r>
-              <a:rPr lang="en-US" dirty="0"/>
-              <a:t>Musical (7.7)</a:t>
-            </a:r>
-          </a:p>
-          <a:p>
-            <a:pPr lvl="1"/>
-            <a:r>
-              <a:rPr lang="en-US" dirty="0"/>
-              <a:t>Sci-Fi (7.6)</a:t>
-            </a:r>
-          </a:p>
-          <a:p>
-            <a:pPr lvl="1"/>
-            <a:r>
-              <a:rPr lang="en-US" dirty="0"/>
-              <a:t>Animation (7.5)</a:t>
-            </a:r>
-          </a:p>
-        </p:txBody>
-      </p:sp>
-      <p:sp>
-        <p:nvSpPr>
-          <p:cNvPr id="12" name="Rectangle 11">
-            <a:extLst>
-              <a:ext uri="{FF2B5EF4-FFF2-40B4-BE49-F238E27FC236}">
-                <a16:creationId xmlns:a16="http://schemas.microsoft.com/office/drawing/2014/main" id="{56533F40-045E-4E3D-9243-864CD4E58669}"/>
+                <a16:creationId xmlns:a16="http://schemas.microsoft.com/office/drawing/2014/main" id="{A99FE660-E3DF-47E7-962D-66C6F6CE0D81}"/>
               </a:ext>
               <a:ext uri="{C183D7F6-B498-43B3-948B-1728B52AA6E4}">
                 <adec:decorative xmlns:adec="http://schemas.microsoft.com/office/drawing/2017/decorative" val="1"/>
@@ -4953,8 +4897,8 @@
         </p:nvSpPr>
         <p:spPr>
           <a:xfrm>
-            <a:off x="5943605" y="964692"/>
-            <a:ext cx="5440680" cy="4936558"/>
+            <a:off x="814795" y="964692"/>
+            <a:ext cx="6885432" cy="4936558"/>
           </a:xfrm>
           <a:prstGeom prst="rect">
             <a:avLst/>
@@ -4994,10 +4938,10 @@
       </p:sp>
       <p:sp>
         <p:nvSpPr>
-          <p:cNvPr id="14" name="Rectangle 13">
+          <p:cNvPr id="19" name="Rectangle 18">
             <a:extLst>
               <a:ext uri="{FF2B5EF4-FFF2-40B4-BE49-F238E27FC236}">
-                <a16:creationId xmlns:a16="http://schemas.microsoft.com/office/drawing/2014/main" id="{30402EC6-D845-41B3-BEBE-CB34D9BFEA60}"/>
+                <a16:creationId xmlns:a16="http://schemas.microsoft.com/office/drawing/2014/main" id="{38C29FEE-8E8F-43D5-AD23-EB4060B4D943}"/>
               </a:ext>
               <a:ext uri="{C183D7F6-B498-43B3-948B-1728B52AA6E4}">
                 <adec:decorative xmlns:adec="http://schemas.microsoft.com/office/drawing/2017/decorative" val="1"/>
@@ -5017,8 +4961,8 @@
         </p:nvSpPr>
         <p:spPr>
           <a:xfrm>
-            <a:off x="6110699" y="1128683"/>
-            <a:ext cx="5106493" cy="4608576"/>
+            <a:off x="978415" y="1128683"/>
+            <a:ext cx="6558192" cy="4608576"/>
           </a:xfrm>
           <a:prstGeom prst="rect">
             <a:avLst/>
@@ -5055,528 +4999,110 @@
           </a:p>
         </p:txBody>
       </p:sp>
-      <p:graphicFrame>
-        <p:nvGraphicFramePr>
-          <p:cNvPr id="7" name="Table 7">
+      <p:pic>
+        <p:nvPicPr>
+          <p:cNvPr id="7" name="Picture 6">
             <a:extLst>
               <a:ext uri="{FF2B5EF4-FFF2-40B4-BE49-F238E27FC236}">
-                <a16:creationId xmlns:a16="http://schemas.microsoft.com/office/drawing/2014/main" id="{09D3AFC1-E19A-8043-827E-2B646F1CF16D}"/>
+                <a16:creationId xmlns:a16="http://schemas.microsoft.com/office/drawing/2014/main" id="{F939593C-E45A-FF49-9385-12C9A1DD6BBD}"/>
               </a:ext>
             </a:extLst>
           </p:cNvPr>
-          <p:cNvGraphicFramePr>
-            <a:graphicFrameLocks noGrp="1"/>
-          </p:cNvGraphicFramePr>
-          <p:nvPr>
-            <p:ph sz="half" idx="2"/>
-            <p:extLst>
-              <p:ext uri="{D42A27DB-BD31-4B8C-83A1-F6EECF244321}">
-                <p14:modId xmlns:p14="http://schemas.microsoft.com/office/powerpoint/2010/main" val="4240839636"/>
-              </p:ext>
-            </p:extLst>
-          </p:nvPr>
-        </p:nvGraphicFramePr>
-        <p:xfrm>
-          <a:off x="6272789" y="1709831"/>
-          <a:ext cx="4782313" cy="3446280"/>
-        </p:xfrm>
-        <a:graphic>
-          <a:graphicData uri="http://schemas.openxmlformats.org/drawingml/2006/table">
-            <a:tbl>
-              <a:tblPr firstRow="1" bandRow="1">
-                <a:tableStyleId>{5C22544A-7EE6-4342-B048-85BDC9FD1C3A}</a:tableStyleId>
-              </a:tblPr>
-              <a:tblGrid>
-                <a:gridCol w="1367525">
-                  <a:extLst>
-                    <a:ext uri="{9D8B030D-6E8A-4147-A177-3AD203B41FA5}">
-                      <a16:colId xmlns:a16="http://schemas.microsoft.com/office/drawing/2014/main" val="3114018930"/>
-                    </a:ext>
-                  </a:extLst>
-                </a:gridCol>
-                <a:gridCol w="1753655">
-                  <a:extLst>
-                    <a:ext uri="{9D8B030D-6E8A-4147-A177-3AD203B41FA5}">
-                      <a16:colId xmlns:a16="http://schemas.microsoft.com/office/drawing/2014/main" val="296534289"/>
-                    </a:ext>
-                  </a:extLst>
-                </a:gridCol>
-                <a:gridCol w="1661133">
-                  <a:extLst>
-                    <a:ext uri="{9D8B030D-6E8A-4147-A177-3AD203B41FA5}">
-                      <a16:colId xmlns:a16="http://schemas.microsoft.com/office/drawing/2014/main" val="2921994735"/>
-                    </a:ext>
-                  </a:extLst>
-                </a:gridCol>
-              </a:tblGrid>
-              <a:tr h="344628">
-                <a:tc>
-                  <a:txBody>
-                    <a:bodyPr/>
-                    <a:lstStyle/>
-                    <a:p>
-                      <a:r>
-                        <a:rPr lang="en-US" sz="1500"/>
-                        <a:t>Genre</a:t>
-                      </a:r>
-                    </a:p>
-                  </a:txBody>
-                  <a:tcPr marL="78325" marR="78325" marT="39162" marB="39162"/>
-                </a:tc>
-                <a:tc>
-                  <a:txBody>
-                    <a:bodyPr/>
-                    <a:lstStyle/>
-                    <a:p>
-                      <a:r>
-                        <a:rPr lang="en-US" sz="1500"/>
-                        <a:t>Count of Movies</a:t>
-                      </a:r>
-                    </a:p>
-                  </a:txBody>
-                  <a:tcPr marL="78325" marR="78325" marT="39162" marB="39162"/>
-                </a:tc>
-                <a:tc>
-                  <a:txBody>
-                    <a:bodyPr/>
-                    <a:lstStyle/>
-                    <a:p>
-                      <a:r>
-                        <a:rPr lang="en-US" sz="1500"/>
-                        <a:t>Average Rating</a:t>
-                      </a:r>
-                    </a:p>
-                  </a:txBody>
-                  <a:tcPr marL="78325" marR="78325" marT="39162" marB="39162"/>
-                </a:tc>
-                <a:extLst>
-                  <a:ext uri="{0D108BD9-81ED-4DB2-BD59-A6C34878D82A}">
-                    <a16:rowId xmlns:a16="http://schemas.microsoft.com/office/drawing/2014/main" val="812205514"/>
-                  </a:ext>
-                </a:extLst>
-              </a:tr>
-              <a:tr h="344628">
-                <a:tc>
-                  <a:txBody>
-                    <a:bodyPr/>
-                    <a:lstStyle/>
-                    <a:p>
-                      <a:r>
-                        <a:rPr lang="en-US" sz="1500"/>
-                        <a:t>Musical</a:t>
-                      </a:r>
-                    </a:p>
-                  </a:txBody>
-                  <a:tcPr marL="78325" marR="78325" marT="39162" marB="39162"/>
-                </a:tc>
-                <a:tc>
-                  <a:txBody>
-                    <a:bodyPr/>
-                    <a:lstStyle/>
-                    <a:p>
-                      <a:r>
-                        <a:rPr lang="en-US" sz="1500"/>
-                        <a:t>16</a:t>
-                      </a:r>
-                    </a:p>
-                  </a:txBody>
-                  <a:tcPr marL="78325" marR="78325" marT="39162" marB="39162"/>
-                </a:tc>
-                <a:tc>
-                  <a:txBody>
-                    <a:bodyPr/>
-                    <a:lstStyle/>
-                    <a:p>
-                      <a:r>
-                        <a:rPr lang="en-US" sz="1500"/>
-                        <a:t>7.7</a:t>
-                      </a:r>
-                    </a:p>
-                  </a:txBody>
-                  <a:tcPr marL="78325" marR="78325" marT="39162" marB="39162"/>
-                </a:tc>
-                <a:extLst>
-                  <a:ext uri="{0D108BD9-81ED-4DB2-BD59-A6C34878D82A}">
-                    <a16:rowId xmlns:a16="http://schemas.microsoft.com/office/drawing/2014/main" val="2564210568"/>
-                  </a:ext>
-                </a:extLst>
-              </a:tr>
-              <a:tr h="344628">
-                <a:tc>
-                  <a:txBody>
-                    <a:bodyPr/>
-                    <a:lstStyle/>
-                    <a:p>
-                      <a:r>
-                        <a:rPr lang="en-US" sz="1500"/>
-                        <a:t>Sci-Fi</a:t>
-                      </a:r>
-                    </a:p>
-                  </a:txBody>
-                  <a:tcPr marL="78325" marR="78325" marT="39162" marB="39162"/>
-                </a:tc>
-                <a:tc>
-                  <a:txBody>
-                    <a:bodyPr/>
-                    <a:lstStyle/>
-                    <a:p>
-                      <a:r>
-                        <a:rPr lang="en-US" sz="1500"/>
-                        <a:t>33</a:t>
-                      </a:r>
-                    </a:p>
-                  </a:txBody>
-                  <a:tcPr marL="78325" marR="78325" marT="39162" marB="39162"/>
-                </a:tc>
-                <a:tc>
-                  <a:txBody>
-                    <a:bodyPr/>
-                    <a:lstStyle/>
-                    <a:p>
-                      <a:r>
-                        <a:rPr lang="en-US" sz="1500"/>
-                        <a:t>7.6</a:t>
-                      </a:r>
-                    </a:p>
-                  </a:txBody>
-                  <a:tcPr marL="78325" marR="78325" marT="39162" marB="39162"/>
-                </a:tc>
-                <a:extLst>
-                  <a:ext uri="{0D108BD9-81ED-4DB2-BD59-A6C34878D82A}">
-                    <a16:rowId xmlns:a16="http://schemas.microsoft.com/office/drawing/2014/main" val="3941207212"/>
-                  </a:ext>
-                </a:extLst>
-              </a:tr>
-              <a:tr h="344628">
-                <a:tc>
-                  <a:txBody>
-                    <a:bodyPr/>
-                    <a:lstStyle/>
-                    <a:p>
-                      <a:r>
-                        <a:rPr lang="en-US" sz="1500"/>
-                        <a:t>Animation</a:t>
-                      </a:r>
-                    </a:p>
-                  </a:txBody>
-                  <a:tcPr marL="78325" marR="78325" marT="39162" marB="39162"/>
-                </a:tc>
-                <a:tc>
-                  <a:txBody>
-                    <a:bodyPr/>
-                    <a:lstStyle/>
-                    <a:p>
-                      <a:r>
-                        <a:rPr lang="en-US" sz="1500"/>
-                        <a:t>44</a:t>
-                      </a:r>
-                    </a:p>
-                  </a:txBody>
-                  <a:tcPr marL="78325" marR="78325" marT="39162" marB="39162"/>
-                </a:tc>
-                <a:tc>
-                  <a:txBody>
-                    <a:bodyPr/>
-                    <a:lstStyle/>
-                    <a:p>
-                      <a:r>
-                        <a:rPr lang="en-US" sz="1500"/>
-                        <a:t>7.52</a:t>
-                      </a:r>
-                    </a:p>
-                  </a:txBody>
-                  <a:tcPr marL="78325" marR="78325" marT="39162" marB="39162"/>
-                </a:tc>
-                <a:extLst>
-                  <a:ext uri="{0D108BD9-81ED-4DB2-BD59-A6C34878D82A}">
-                    <a16:rowId xmlns:a16="http://schemas.microsoft.com/office/drawing/2014/main" val="1862901993"/>
-                  </a:ext>
-                </a:extLst>
-              </a:tr>
-              <a:tr h="344628">
-                <a:tc>
-                  <a:txBody>
-                    <a:bodyPr/>
-                    <a:lstStyle/>
-                    <a:p>
-                      <a:r>
-                        <a:rPr lang="en-US" sz="1500"/>
-                        <a:t>Mystery</a:t>
-                      </a:r>
-                    </a:p>
-                  </a:txBody>
-                  <a:tcPr marL="78325" marR="78325" marT="39162" marB="39162"/>
-                </a:tc>
-                <a:tc>
-                  <a:txBody>
-                    <a:bodyPr/>
-                    <a:lstStyle/>
-                    <a:p>
-                      <a:r>
-                        <a:rPr lang="en-US" sz="1500"/>
-                        <a:t>28</a:t>
-                      </a:r>
-                    </a:p>
-                  </a:txBody>
-                  <a:tcPr marL="78325" marR="78325" marT="39162" marB="39162"/>
-                </a:tc>
-                <a:tc>
-                  <a:txBody>
-                    <a:bodyPr/>
-                    <a:lstStyle/>
-                    <a:p>
-                      <a:r>
-                        <a:rPr lang="en-US" sz="1500"/>
-                        <a:t>7.51</a:t>
-                      </a:r>
-                    </a:p>
-                  </a:txBody>
-                  <a:tcPr marL="78325" marR="78325" marT="39162" marB="39162"/>
-                </a:tc>
-                <a:extLst>
-                  <a:ext uri="{0D108BD9-81ED-4DB2-BD59-A6C34878D82A}">
-                    <a16:rowId xmlns:a16="http://schemas.microsoft.com/office/drawing/2014/main" val="2167347723"/>
-                  </a:ext>
-                </a:extLst>
-              </a:tr>
-              <a:tr h="344628">
-                <a:tc>
-                  <a:txBody>
-                    <a:bodyPr/>
-                    <a:lstStyle/>
-                    <a:p>
-                      <a:r>
-                        <a:rPr lang="en-US" sz="1500"/>
-                        <a:t>Adventure</a:t>
-                      </a:r>
-                    </a:p>
-                  </a:txBody>
-                  <a:tcPr marL="78325" marR="78325" marT="39162" marB="39162"/>
-                </a:tc>
-                <a:tc>
-                  <a:txBody>
-                    <a:bodyPr/>
-                    <a:lstStyle/>
-                    <a:p>
-                      <a:r>
-                        <a:rPr lang="en-US" sz="1500"/>
-                        <a:t>104</a:t>
-                      </a:r>
-                    </a:p>
-                  </a:txBody>
-                  <a:tcPr marL="78325" marR="78325" marT="39162" marB="39162"/>
-                </a:tc>
-                <a:tc>
-                  <a:txBody>
-                    <a:bodyPr/>
-                    <a:lstStyle/>
-                    <a:p>
-                      <a:r>
-                        <a:rPr lang="en-US" sz="1500"/>
-                        <a:t>7.51</a:t>
-                      </a:r>
-                    </a:p>
-                  </a:txBody>
-                  <a:tcPr marL="78325" marR="78325" marT="39162" marB="39162"/>
-                </a:tc>
-                <a:extLst>
-                  <a:ext uri="{0D108BD9-81ED-4DB2-BD59-A6C34878D82A}">
-                    <a16:rowId xmlns:a16="http://schemas.microsoft.com/office/drawing/2014/main" val="2042033125"/>
-                  </a:ext>
-                </a:extLst>
-              </a:tr>
-              <a:tr h="344628">
-                <a:tc>
-                  <a:txBody>
-                    <a:bodyPr/>
-                    <a:lstStyle/>
-                    <a:p>
-                      <a:r>
-                        <a:rPr lang="en-US" sz="1500"/>
-                        <a:t>Documentary</a:t>
-                      </a:r>
-                    </a:p>
-                  </a:txBody>
-                  <a:tcPr marL="78325" marR="78325" marT="39162" marB="39162"/>
-                </a:tc>
-                <a:tc>
-                  <a:txBody>
-                    <a:bodyPr/>
-                    <a:lstStyle/>
-                    <a:p>
-                      <a:r>
-                        <a:rPr lang="en-US" sz="1500"/>
-                        <a:t>41</a:t>
-                      </a:r>
-                    </a:p>
-                  </a:txBody>
-                  <a:tcPr marL="78325" marR="78325" marT="39162" marB="39162"/>
-                </a:tc>
-                <a:tc>
-                  <a:txBody>
-                    <a:bodyPr/>
-                    <a:lstStyle/>
-                    <a:p>
-                      <a:r>
-                        <a:rPr lang="en-US" sz="1500"/>
-                        <a:t>7.49</a:t>
-                      </a:r>
-                    </a:p>
-                  </a:txBody>
-                  <a:tcPr marL="78325" marR="78325" marT="39162" marB="39162"/>
-                </a:tc>
-                <a:extLst>
-                  <a:ext uri="{0D108BD9-81ED-4DB2-BD59-A6C34878D82A}">
-                    <a16:rowId xmlns:a16="http://schemas.microsoft.com/office/drawing/2014/main" val="612538735"/>
-                  </a:ext>
-                </a:extLst>
-              </a:tr>
-              <a:tr h="344628">
-                <a:tc>
-                  <a:txBody>
-                    <a:bodyPr/>
-                    <a:lstStyle/>
-                    <a:p>
-                      <a:r>
-                        <a:rPr lang="en-US" sz="1500"/>
-                        <a:t>Biography</a:t>
-                      </a:r>
-                    </a:p>
-                  </a:txBody>
-                  <a:tcPr marL="78325" marR="78325" marT="39162" marB="39162"/>
-                </a:tc>
-                <a:tc>
-                  <a:txBody>
-                    <a:bodyPr/>
-                    <a:lstStyle/>
-                    <a:p>
-                      <a:r>
-                        <a:rPr lang="en-US" sz="1500"/>
-                        <a:t>95</a:t>
-                      </a:r>
-                    </a:p>
-                  </a:txBody>
-                  <a:tcPr marL="78325" marR="78325" marT="39162" marB="39162"/>
-                </a:tc>
-                <a:tc>
-                  <a:txBody>
-                    <a:bodyPr/>
-                    <a:lstStyle/>
-                    <a:p>
-                      <a:r>
-                        <a:rPr lang="en-US" sz="1500"/>
-                        <a:t>7.48</a:t>
-                      </a:r>
-                    </a:p>
-                  </a:txBody>
-                  <a:tcPr marL="78325" marR="78325" marT="39162" marB="39162"/>
-                </a:tc>
-                <a:extLst>
-                  <a:ext uri="{0D108BD9-81ED-4DB2-BD59-A6C34878D82A}">
-                    <a16:rowId xmlns:a16="http://schemas.microsoft.com/office/drawing/2014/main" val="1564999400"/>
-                  </a:ext>
-                </a:extLst>
-              </a:tr>
-              <a:tr h="344628">
-                <a:tc>
-                  <a:txBody>
-                    <a:bodyPr/>
-                    <a:lstStyle/>
-                    <a:p>
-                      <a:r>
-                        <a:rPr lang="en-US" sz="1500"/>
-                        <a:t>Action</a:t>
-                      </a:r>
-                    </a:p>
-                  </a:txBody>
-                  <a:tcPr marL="78325" marR="78325" marT="39162" marB="39162"/>
-                </a:tc>
-                <a:tc>
-                  <a:txBody>
-                    <a:bodyPr/>
-                    <a:lstStyle/>
-                    <a:p>
-                      <a:r>
-                        <a:rPr lang="en-US" sz="1500"/>
-                        <a:t>91</a:t>
-                      </a:r>
-                    </a:p>
-                  </a:txBody>
-                  <a:tcPr marL="78325" marR="78325" marT="39162" marB="39162"/>
-                </a:tc>
-                <a:tc>
-                  <a:txBody>
-                    <a:bodyPr/>
-                    <a:lstStyle/>
-                    <a:p>
-                      <a:r>
-                        <a:rPr lang="en-US" sz="1500"/>
-                        <a:t>7.48</a:t>
-                      </a:r>
-                    </a:p>
-                  </a:txBody>
-                  <a:tcPr marL="78325" marR="78325" marT="39162" marB="39162"/>
-                </a:tc>
-                <a:extLst>
-                  <a:ext uri="{0D108BD9-81ED-4DB2-BD59-A6C34878D82A}">
-                    <a16:rowId xmlns:a16="http://schemas.microsoft.com/office/drawing/2014/main" val="2924303262"/>
-                  </a:ext>
-                </a:extLst>
-              </a:tr>
-              <a:tr h="344628">
-                <a:tc>
-                  <a:txBody>
-                    <a:bodyPr/>
-                    <a:lstStyle/>
-                    <a:p>
-                      <a:r>
-                        <a:rPr lang="en-US" sz="1500"/>
-                        <a:t>Crime</a:t>
-                      </a:r>
-                    </a:p>
-                  </a:txBody>
-                  <a:tcPr marL="78325" marR="78325" marT="39162" marB="39162"/>
-                </a:tc>
-                <a:tc>
-                  <a:txBody>
-                    <a:bodyPr/>
-                    <a:lstStyle/>
-                    <a:p>
-                      <a:r>
-                        <a:rPr lang="en-US" sz="1500"/>
-                        <a:t>66</a:t>
-                      </a:r>
-                    </a:p>
-                  </a:txBody>
-                  <a:tcPr marL="78325" marR="78325" marT="39162" marB="39162"/>
-                </a:tc>
-                <a:tc>
-                  <a:txBody>
-                    <a:bodyPr/>
-                    <a:lstStyle/>
-                    <a:p>
-                      <a:r>
-                        <a:rPr lang="en-US" sz="1500"/>
-                        <a:t>7.48</a:t>
-                      </a:r>
-                    </a:p>
-                  </a:txBody>
-                  <a:tcPr marL="78325" marR="78325" marT="39162" marB="39162"/>
-                </a:tc>
-                <a:extLst>
-                  <a:ext uri="{0D108BD9-81ED-4DB2-BD59-A6C34878D82A}">
-                    <a16:rowId xmlns:a16="http://schemas.microsoft.com/office/drawing/2014/main" val="3303699171"/>
-                  </a:ext>
-                </a:extLst>
-              </a:tr>
-            </a:tbl>
-          </a:graphicData>
-        </a:graphic>
-      </p:graphicFrame>
+          <p:cNvPicPr>
+            <a:picLocks noChangeAspect="1"/>
+          </p:cNvPicPr>
+          <p:nvPr/>
+        </p:nvPicPr>
+        <p:blipFill>
+          <a:blip r:embed="rId2"/>
+          <a:stretch>
+            <a:fillRect/>
+          </a:stretch>
+        </p:blipFill>
+        <p:spPr>
+          <a:xfrm>
+            <a:off x="1143979" y="1549284"/>
+            <a:ext cx="6227064" cy="3767373"/>
+          </a:xfrm>
+          <a:prstGeom prst="rect">
+            <a:avLst/>
+          </a:prstGeom>
+        </p:spPr>
+      </p:pic>
+      <p:sp>
+        <p:nvSpPr>
+          <p:cNvPr id="3" name="Content Placeholder 2">
+            <a:extLst>
+              <a:ext uri="{FF2B5EF4-FFF2-40B4-BE49-F238E27FC236}">
+                <a16:creationId xmlns:a16="http://schemas.microsoft.com/office/drawing/2014/main" id="{C60EDCFB-1B6D-6D4F-A0A2-83D2D843BC51}"/>
+              </a:ext>
+            </a:extLst>
+          </p:cNvPr>
+          <p:cNvSpPr>
+            <a:spLocks noGrp="1"/>
+          </p:cNvSpPr>
+          <p:nvPr>
+            <p:ph idx="1"/>
+          </p:nvPr>
+        </p:nvSpPr>
+        <p:spPr>
+          <a:xfrm>
+            <a:off x="8311249" y="2638044"/>
+            <a:ext cx="3063765" cy="3263206"/>
+          </a:xfrm>
+        </p:spPr>
+        <p:txBody>
+          <a:bodyPr>
+            <a:normAutofit/>
+          </a:bodyPr>
+          <a:lstStyle/>
+          <a:p>
+            <a:r>
+              <a:rPr lang="en-US" dirty="0"/>
+              <a:t>The top five genres by average gross earnings per movie:</a:t>
+            </a:r>
+          </a:p>
+          <a:p>
+            <a:pPr lvl="1"/>
+            <a:r>
+              <a:rPr lang="en-US" dirty="0"/>
+              <a:t>Sci-Fi ($291mil)</a:t>
+            </a:r>
+          </a:p>
+          <a:p>
+            <a:pPr lvl="1"/>
+            <a:r>
+              <a:rPr lang="en-US" dirty="0"/>
+              <a:t>Animation ($278mil)</a:t>
+            </a:r>
+          </a:p>
+          <a:p>
+            <a:pPr lvl="1"/>
+            <a:r>
+              <a:rPr lang="en-US" dirty="0"/>
+              <a:t>Adventure ($267mil)</a:t>
+            </a:r>
+          </a:p>
+          <a:p>
+            <a:pPr lvl="1"/>
+            <a:r>
+              <a:rPr lang="en-US" dirty="0"/>
+              <a:t>Fantasy ($259mil)</a:t>
+            </a:r>
+          </a:p>
+          <a:p>
+            <a:pPr lvl="1"/>
+            <a:r>
+              <a:rPr lang="en-US" dirty="0"/>
+              <a:t>Action ($253mil)</a:t>
+            </a:r>
+          </a:p>
+        </p:txBody>
+      </p:sp>
     </p:spTree>
     <p:extLst>
       <p:ext uri="{BB962C8B-B14F-4D97-AF65-F5344CB8AC3E}">
-        <p14:creationId xmlns:p14="http://schemas.microsoft.com/office/powerpoint/2010/main" val="3760065378"/>
+        <p14:creationId xmlns:p14="http://schemas.microsoft.com/office/powerpoint/2010/main" val="448413329"/>
       </p:ext>
     </p:extLst>
   </p:cSld>
@@ -5618,7 +5144,7 @@
           <p:cNvPr id="2" name="Title 1">
             <a:extLst>
               <a:ext uri="{FF2B5EF4-FFF2-40B4-BE49-F238E27FC236}">
-                <a16:creationId xmlns:a16="http://schemas.microsoft.com/office/drawing/2014/main" id="{5CA7A688-57FD-2B41-9C37-79E3198846DA}"/>
+                <a16:creationId xmlns:a16="http://schemas.microsoft.com/office/drawing/2014/main" id="{199D2997-C605-0E41-868E-1A9EA2AF37C2}"/>
               </a:ext>
             </a:extLst>
           </p:cNvPr>
@@ -5631,29 +5157,99 @@
         </p:nvSpPr>
         <p:spPr>
           <a:xfrm>
-            <a:off x="8312677" y="964692"/>
+            <a:off x="804672" y="964692"/>
             <a:ext cx="3066937" cy="1188720"/>
           </a:xfrm>
         </p:spPr>
         <p:txBody>
-          <a:bodyPr>
+          <a:bodyPr vert="horz" lIns="182880" tIns="182880" rIns="182880" bIns="182880" rtlCol="0" anchor="ctr">
             <a:normAutofit/>
           </a:bodyPr>
           <a:lstStyle/>
           <a:p>
             <a:r>
               <a:rPr lang="en-US" dirty="0"/>
-              <a:t>results</a:t>
-            </a:r>
-          </a:p>
-        </p:txBody>
-      </p:sp>
-      <p:sp>
-        <p:nvSpPr>
-          <p:cNvPr id="10" name="Rectangle 9">
+              <a:t>Results</a:t>
+            </a:r>
+          </a:p>
+        </p:txBody>
+      </p:sp>
+      <p:sp>
+        <p:nvSpPr>
+          <p:cNvPr id="4" name="Content Placeholder 3">
             <a:extLst>
               <a:ext uri="{FF2B5EF4-FFF2-40B4-BE49-F238E27FC236}">
-                <a16:creationId xmlns:a16="http://schemas.microsoft.com/office/drawing/2014/main" id="{A99FE660-E3DF-47E7-962D-66C6F6CE0D81}"/>
+                <a16:creationId xmlns:a16="http://schemas.microsoft.com/office/drawing/2014/main" id="{B5858620-F344-964F-8054-18B80151E42B}"/>
+              </a:ext>
+            </a:extLst>
+          </p:cNvPr>
+          <p:cNvSpPr>
+            <a:spLocks noGrp="1"/>
+          </p:cNvSpPr>
+          <p:nvPr>
+            <p:ph sz="half" idx="1"/>
+          </p:nvPr>
+        </p:nvSpPr>
+        <p:spPr>
+          <a:xfrm>
+            <a:off x="803244" y="2638044"/>
+            <a:ext cx="3063765" cy="3263206"/>
+          </a:xfrm>
+        </p:spPr>
+        <p:txBody>
+          <a:bodyPr vert="horz" lIns="91440" tIns="45720" rIns="91440" bIns="45720" rtlCol="0">
+            <a:normAutofit/>
+          </a:bodyPr>
+          <a:lstStyle/>
+          <a:p>
+            <a:r>
+              <a:rPr lang="en-US" dirty="0"/>
+              <a:t>Top genres by total gross earnings over 2013-2018</a:t>
+            </a:r>
+          </a:p>
+          <a:p>
+            <a:pPr lvl="1"/>
+            <a:r>
+              <a:rPr lang="en-US" dirty="0"/>
+              <a:t>Adventure ($17.4bil)</a:t>
+            </a:r>
+          </a:p>
+          <a:p>
+            <a:pPr lvl="1"/>
+            <a:r>
+              <a:rPr lang="en-US" dirty="0"/>
+              <a:t>Action ($13.9bil)</a:t>
+            </a:r>
+          </a:p>
+          <a:p>
+            <a:pPr lvl="1"/>
+            <a:r>
+              <a:rPr lang="en-US" dirty="0"/>
+              <a:t>Comedy ($7.0bil)</a:t>
+            </a:r>
+          </a:p>
+          <a:p>
+            <a:pPr lvl="1"/>
+            <a:r>
+              <a:rPr lang="en-US" dirty="0"/>
+              <a:t>Sci-Fi ($6.4bil)</a:t>
+            </a:r>
+          </a:p>
+          <a:p>
+            <a:pPr lvl="1"/>
+            <a:r>
+              <a:rPr lang="en-US" dirty="0"/>
+              <a:t>Animation ($5.5bil)</a:t>
+            </a:r>
+          </a:p>
+        </p:txBody>
+      </p:sp>
+      <p:sp>
+        <p:nvSpPr>
+          <p:cNvPr id="12" name="Rectangle 11">
+            <a:extLst>
+              <a:ext uri="{FF2B5EF4-FFF2-40B4-BE49-F238E27FC236}">
+                <a16:creationId xmlns:a16="http://schemas.microsoft.com/office/drawing/2014/main" id="{6515FC82-3453-4CBE-8895-4CCFF339529E}"/>
               </a:ext>
               <a:ext uri="{C183D7F6-B498-43B3-948B-1728B52AA6E4}">
                 <adec:decorative xmlns:adec="http://schemas.microsoft.com/office/drawing/2017/decorative" val="1"/>
@@ -5673,7 +5269,7 @@
         </p:nvSpPr>
         <p:spPr>
           <a:xfrm>
-            <a:off x="814795" y="964692"/>
+            <a:off x="4494182" y="964692"/>
             <a:ext cx="6885432" cy="4936558"/>
           </a:xfrm>
           <a:prstGeom prst="rect">
@@ -5714,10 +5310,10 @@
       </p:sp>
       <p:sp>
         <p:nvSpPr>
-          <p:cNvPr id="12" name="Rectangle 11">
+          <p:cNvPr id="14" name="Rectangle 13">
             <a:extLst>
               <a:ext uri="{FF2B5EF4-FFF2-40B4-BE49-F238E27FC236}">
-                <a16:creationId xmlns:a16="http://schemas.microsoft.com/office/drawing/2014/main" id="{38C29FEE-8E8F-43D5-AD23-EB4060B4D943}"/>
+                <a16:creationId xmlns:a16="http://schemas.microsoft.com/office/drawing/2014/main" id="{C5FD847B-65C0-4027-8DFC-70CB424514F8}"/>
               </a:ext>
               <a:ext uri="{C183D7F6-B498-43B3-948B-1728B52AA6E4}">
                 <adec:decorative xmlns:adec="http://schemas.microsoft.com/office/drawing/2017/decorative" val="1"/>
@@ -5737,7 +5333,7 @@
         </p:nvSpPr>
         <p:spPr>
           <a:xfrm>
-            <a:off x="978415" y="1128683"/>
+            <a:off x="4657802" y="1128683"/>
             <a:ext cx="6558192" cy="4608576"/>
           </a:xfrm>
           <a:prstGeom prst="rect">
@@ -5777,17 +5373,19 @@
       </p:sp>
       <p:pic>
         <p:nvPicPr>
-          <p:cNvPr id="5" name="Picture 4" descr="Chart&#10;&#10;Description automatically generated">
+          <p:cNvPr id="7" name="Content Placeholder 6" descr="Chart&#10;&#10;Description automatically generated">
             <a:extLst>
               <a:ext uri="{FF2B5EF4-FFF2-40B4-BE49-F238E27FC236}">
-                <a16:creationId xmlns:a16="http://schemas.microsoft.com/office/drawing/2014/main" id="{2E87E82A-77C4-1D46-8927-5E45A52826A8}"/>
+                <a16:creationId xmlns:a16="http://schemas.microsoft.com/office/drawing/2014/main" id="{B66D4FCF-8C27-4F4F-9B4B-C3BA220D610A}"/>
               </a:ext>
             </a:extLst>
           </p:cNvPr>
           <p:cNvPicPr>
-            <a:picLocks noChangeAspect="1"/>
+            <a:picLocks noGrp="1" noChangeAspect="1"/>
           </p:cNvPicPr>
-          <p:nvPr/>
+          <p:nvPr>
+            <p:ph sz="half" idx="2"/>
+          </p:nvPr>
         </p:nvPicPr>
         <p:blipFill>
           <a:blip r:embed="rId2"/>
@@ -5797,74 +5395,18 @@
         </p:blipFill>
         <p:spPr>
           <a:xfrm>
-            <a:off x="1143979" y="1541501"/>
-            <a:ext cx="6227064" cy="3782939"/>
+            <a:off x="4823366" y="1432527"/>
+            <a:ext cx="6227064" cy="4000888"/>
           </a:xfrm>
           <a:prstGeom prst="rect">
             <a:avLst/>
           </a:prstGeom>
         </p:spPr>
       </p:pic>
-      <p:sp>
-        <p:nvSpPr>
-          <p:cNvPr id="3" name="Content Placeholder 2">
-            <a:extLst>
-              <a:ext uri="{FF2B5EF4-FFF2-40B4-BE49-F238E27FC236}">
-                <a16:creationId xmlns:a16="http://schemas.microsoft.com/office/drawing/2014/main" id="{C60EDCFB-1B6D-6D4F-A0A2-83D2D843BC51}"/>
-              </a:ext>
-            </a:extLst>
-          </p:cNvPr>
-          <p:cNvSpPr>
-            <a:spLocks noGrp="1"/>
-          </p:cNvSpPr>
-          <p:nvPr>
-            <p:ph idx="1"/>
-          </p:nvPr>
-        </p:nvSpPr>
-        <p:spPr>
-          <a:xfrm>
-            <a:off x="8311249" y="2638044"/>
-            <a:ext cx="3063765" cy="3263206"/>
-          </a:xfrm>
-        </p:spPr>
-        <p:txBody>
-          <a:bodyPr>
-            <a:normAutofit/>
-          </a:bodyPr>
-          <a:lstStyle/>
-          <a:p>
-            <a:r>
-              <a:rPr lang="en-US" dirty="0"/>
-              <a:t>The top three genres by average gross earnings:</a:t>
-            </a:r>
-          </a:p>
-          <a:p>
-            <a:pPr lvl="1"/>
-            <a:r>
-              <a:rPr lang="en-US" dirty="0"/>
-              <a:t>Sci-Fi ($251mil)</a:t>
-            </a:r>
-          </a:p>
-          <a:p>
-            <a:pPr lvl="1"/>
-            <a:r>
-              <a:rPr lang="en-US" dirty="0"/>
-              <a:t>Adventure ($214mil)</a:t>
-            </a:r>
-          </a:p>
-          <a:p>
-            <a:pPr lvl="1"/>
-            <a:r>
-              <a:rPr lang="en-US" dirty="0"/>
-              <a:t>Action ($207mil)</a:t>
-            </a:r>
-          </a:p>
-        </p:txBody>
-      </p:sp>
     </p:spTree>
     <p:extLst>
       <p:ext uri="{BB962C8B-B14F-4D97-AF65-F5344CB8AC3E}">
-        <p14:creationId xmlns:p14="http://schemas.microsoft.com/office/powerpoint/2010/main" val="448413329"/>
+        <p14:creationId xmlns:p14="http://schemas.microsoft.com/office/powerpoint/2010/main" val="3364474594"/>
       </p:ext>
     </p:extLst>
   </p:cSld>
@@ -5949,7 +5491,7 @@
           <a:p>
             <a:r>
               <a:rPr lang="en-US" dirty="0"/>
-              <a:t>For successful gross earnings, </a:t>
+              <a:t>For successful, sustained gross earnings over time, </a:t>
             </a:r>
             <a:r>
               <a:rPr lang="en-US" dirty="0" err="1"/>
@@ -5957,13 +5499,13 @@
             </a:r>
             <a:r>
               <a:rPr lang="en-US" dirty="0"/>
-              <a:t> should produce Sci-Fi, Adventure, and Action movies</a:t>
+              <a:t> should produce Adventure and Action.</a:t>
             </a:r>
           </a:p>
           <a:p>
             <a:r>
               <a:rPr lang="en-US" dirty="0"/>
-              <a:t>For successful audience ratings, </a:t>
+              <a:t>For immediately successful gross earnings, </a:t>
             </a:r>
             <a:r>
               <a:rPr lang="en-US" dirty="0" err="1"/>
@@ -5971,14 +5513,20 @@
             </a:r>
             <a:r>
               <a:rPr lang="en-US" dirty="0"/>
-              <a:t> should produce Musical, Sci-Fi, and Animation movies</a:t>
+              <a:t> should produce movies that are Sci-Fi, Animation, Adventure, Fantasy, or Action</a:t>
             </a:r>
           </a:p>
           <a:p>
             <a:r>
               <a:rPr lang="en-US" dirty="0"/>
-              <a:t>Create Sci-Fi movies. Between 2013 and 2018, 492 movies were produced, and only 29 of those movies were Sci-Fi. </a:t>
-            </a:r>
+              <a:t>Create Sci-Fi movies</a:t>
+            </a:r>
+          </a:p>
+          <a:p>
+            <a:pPr marL="0" indent="0">
+              <a:buNone/>
+            </a:pPr>
+            <a:endParaRPr lang="en-US" dirty="0"/>
           </a:p>
           <a:p>
             <a:r>
